--- a/DATA PROJECT.pptx
+++ b/DATA PROJECT.pptx
@@ -18,10 +18,10 @@
     <p:sldId id="260" r:id="rId9"/>
     <p:sldId id="261" r:id="rId10"/>
     <p:sldId id="267" r:id="rId11"/>
-    <p:sldId id="269" r:id="rId12"/>
-    <p:sldId id="268" r:id="rId13"/>
-    <p:sldId id="262" r:id="rId14"/>
-    <p:sldId id="264" r:id="rId15"/>
+    <p:sldId id="268" r:id="rId12"/>
+    <p:sldId id="262" r:id="rId13"/>
+    <p:sldId id="264" r:id="rId14"/>
+    <p:sldId id="269" r:id="rId15"/>
   </p:sldIdLst>
   <p:sldSz cx="12192000" cy="6858000"/>
   <p:notesSz cx="6858000" cy="9144000"/>
@@ -17246,7 +17246,7 @@
   <dgm:whole/>
   <dgm:extLst>
     <a:ext uri="http://schemas.microsoft.com/office/drawing/2008/diagram">
-      <dsp:dataModelExt xmlns:dsp="http://schemas.microsoft.com/office/drawing/2008/diagram" relId="rId6" minVer="http://schemas.openxmlformats.org/drawingml/2006/diagram"/>
+      <dsp:dataModelExt xmlns:dsp="http://schemas.microsoft.com/office/drawing/2008/diagram" relId="rId7" minVer="http://schemas.openxmlformats.org/drawingml/2006/diagram"/>
     </a:ext>
   </dgm:extLst>
 </dgm:dataModel>
@@ -47502,7 +47502,7 @@
           <a:p>
             <a:fld id="{30D1B49B-199A-453F-906E-45D4F511AB89}" type="datetimeFigureOut">
               <a:rPr lang="fr-FR" smtClean="0"/>
-              <a:t>04/07/2019</a:t>
+              <a:t>05/07/2019</a:t>
             </a:fld>
             <a:endParaRPr lang="fr-FR"/>
           </a:p>
@@ -47848,6 +47848,144 @@
     <p:extLst>
       <p:ext uri="{BB962C8B-B14F-4D97-AF65-F5344CB8AC3E}">
         <p14:creationId xmlns:p14="http://schemas.microsoft.com/office/powerpoint/2010/main" val="306385487"/>
+      </p:ext>
+    </p:extLst>
+  </p:cSld>
+  <p:clrMapOvr>
+    <a:masterClrMapping/>
+  </p:clrMapOvr>
+</p:notes>
+</file>
+
+<file path=ppt/notesSlides/notesSlide2.xml><?xml version="1.0" encoding="utf-8"?>
+<p:notes xmlns:a="http://schemas.openxmlformats.org/drawingml/2006/main" xmlns:r="http://schemas.openxmlformats.org/officeDocument/2006/relationships" xmlns:p="http://schemas.openxmlformats.org/presentationml/2006/main">
+  <p:cSld>
+    <p:spTree>
+      <p:nvGrpSpPr>
+        <p:cNvPr id="1" name=""/>
+        <p:cNvGrpSpPr/>
+        <p:nvPr/>
+      </p:nvGrpSpPr>
+      <p:grpSpPr>
+        <a:xfrm>
+          <a:off x="0" y="0"/>
+          <a:ext cx="0" cy="0"/>
+          <a:chOff x="0" y="0"/>
+          <a:chExt cx="0" cy="0"/>
+        </a:xfrm>
+      </p:grpSpPr>
+      <p:sp>
+        <p:nvSpPr>
+          <p:cNvPr id="2" name="Espace réservé de l'image des diapositives 1"/>
+          <p:cNvSpPr>
+            <a:spLocks noGrp="1" noRot="1" noChangeAspect="1"/>
+          </p:cNvSpPr>
+          <p:nvPr>
+            <p:ph type="sldImg"/>
+          </p:nvPr>
+        </p:nvSpPr>
+        <p:spPr/>
+      </p:sp>
+      <p:sp>
+        <p:nvSpPr>
+          <p:cNvPr id="3" name="Espace réservé des notes 2"/>
+          <p:cNvSpPr>
+            <a:spLocks noGrp="1"/>
+          </p:cNvSpPr>
+          <p:nvPr>
+            <p:ph type="body" idx="1"/>
+          </p:nvPr>
+        </p:nvSpPr>
+        <p:spPr/>
+        <p:txBody>
+          <a:bodyPr/>
+          <a:lstStyle/>
+          <a:p>
+            <a:pPr lvl="1"/>
+            <a:r>
+              <a:rPr lang="en-US" dirty="0"/>
+              <a:t>- One part for the global statistics</a:t>
+            </a:r>
+          </a:p>
+          <a:p>
+            <a:pPr marL="628650" lvl="1" indent="-171450">
+              <a:buFontTx/>
+              <a:buChar char="-"/>
+            </a:pPr>
+            <a:r>
+              <a:rPr lang="en-US" dirty="0"/>
+              <a:t>One part for each number of trucks used (ex: 10, 20,30 ….)</a:t>
+            </a:r>
+            <a:endParaRPr lang="fr-FR" dirty="0"/>
+          </a:p>
+          <a:p>
+            <a:pPr marL="628650" lvl="1" indent="-171450">
+              <a:buFontTx/>
+              <a:buChar char="-"/>
+            </a:pPr>
+            <a:endParaRPr lang="fr-FR" dirty="0"/>
+          </a:p>
+          <a:p>
+            <a:r>
+              <a:rPr lang="en-US" dirty="0"/>
+              <a:t>For the same number of cities more trucks (clusters), more resolution time increases</a:t>
+            </a:r>
+          </a:p>
+          <a:p>
+            <a:r>
+              <a:rPr lang="en-US" dirty="0"/>
+              <a:t>Increasing the distance between cities has no impact or little impact on the resolution time.</a:t>
+            </a:r>
+          </a:p>
+          <a:p>
+            <a:r>
+              <a:rPr lang="en-US" dirty="0"/>
+              <a:t>With equal number of trucks, the more cities there are, the more the resolution time increases</a:t>
+            </a:r>
+          </a:p>
+          <a:p>
+            <a:r>
+              <a:rPr lang="en-US" dirty="0"/>
+              <a:t>The resolution time can vary enormously between several graphs of the same parameters (number of cities and distances).</a:t>
+            </a:r>
+            <a:endParaRPr lang="fr-FR" dirty="0"/>
+          </a:p>
+          <a:p>
+            <a:pPr marL="628650" lvl="1" indent="-171450">
+              <a:buFontTx/>
+              <a:buChar char="-"/>
+            </a:pPr>
+            <a:endParaRPr lang="en-US" dirty="0"/>
+          </a:p>
+        </p:txBody>
+      </p:sp>
+      <p:sp>
+        <p:nvSpPr>
+          <p:cNvPr id="4" name="Espace réservé du numéro de diapositive 3"/>
+          <p:cNvSpPr>
+            <a:spLocks noGrp="1"/>
+          </p:cNvSpPr>
+          <p:nvPr>
+            <p:ph type="sldNum" sz="quarter" idx="5"/>
+          </p:nvPr>
+        </p:nvSpPr>
+        <p:spPr/>
+        <p:txBody>
+          <a:bodyPr/>
+          <a:lstStyle/>
+          <a:p>
+            <a:fld id="{EFB751BC-5B5B-4343-8F37-AE607CDB283D}" type="slidenum">
+              <a:rPr lang="fr-FR" smtClean="0"/>
+              <a:t>11</a:t>
+            </a:fld>
+            <a:endParaRPr lang="fr-FR"/>
+          </a:p>
+        </p:txBody>
+      </p:sp>
+    </p:spTree>
+    <p:extLst>
+      <p:ext uri="{BB962C8B-B14F-4D97-AF65-F5344CB8AC3E}">
+        <p14:creationId xmlns:p14="http://schemas.microsoft.com/office/powerpoint/2010/main" val="2000317061"/>
       </p:ext>
     </p:extLst>
   </p:cSld>
@@ -48581,7 +48719,7 @@
           <a:p>
             <a:fld id="{39A4C5E0-7BCC-4FFB-B25E-A352D768DC40}" type="datetimeFigureOut">
               <a:rPr lang="fr-FR" smtClean="0"/>
-              <a:t>04/07/2019</a:t>
+              <a:t>05/07/2019</a:t>
             </a:fld>
             <a:endParaRPr lang="fr-FR"/>
           </a:p>
@@ -48832,7 +48970,7 @@
           <a:p>
             <a:fld id="{39A4C5E0-7BCC-4FFB-B25E-A352D768DC40}" type="datetimeFigureOut">
               <a:rPr lang="fr-FR" smtClean="0"/>
-              <a:t>04/07/2019</a:t>
+              <a:t>05/07/2019</a:t>
             </a:fld>
             <a:endParaRPr lang="fr-FR"/>
           </a:p>
@@ -49146,7 +49284,7 @@
           <a:p>
             <a:fld id="{39A4C5E0-7BCC-4FFB-B25E-A352D768DC40}" type="datetimeFigureOut">
               <a:rPr lang="fr-FR" smtClean="0"/>
-              <a:t>04/07/2019</a:t>
+              <a:t>05/07/2019</a:t>
             </a:fld>
             <a:endParaRPr lang="fr-FR"/>
           </a:p>
@@ -49473,7 +49611,7 @@
           <a:p>
             <a:fld id="{39A4C5E0-7BCC-4FFB-B25E-A352D768DC40}" type="datetimeFigureOut">
               <a:rPr lang="fr-FR" smtClean="0"/>
-              <a:t>04/07/2019</a:t>
+              <a:t>05/07/2019</a:t>
             </a:fld>
             <a:endParaRPr lang="fr-FR"/>
           </a:p>
@@ -49787,7 +49925,7 @@
           <a:p>
             <a:fld id="{39A4C5E0-7BCC-4FFB-B25E-A352D768DC40}" type="datetimeFigureOut">
               <a:rPr lang="fr-FR" smtClean="0"/>
-              <a:t>04/07/2019</a:t>
+              <a:t>05/07/2019</a:t>
             </a:fld>
             <a:endParaRPr lang="fr-FR"/>
           </a:p>
@@ -50174,7 +50312,7 @@
           <a:p>
             <a:fld id="{39A4C5E0-7BCC-4FFB-B25E-A352D768DC40}" type="datetimeFigureOut">
               <a:rPr lang="fr-FR" smtClean="0"/>
-              <a:t>04/07/2019</a:t>
+              <a:t>05/07/2019</a:t>
             </a:fld>
             <a:endParaRPr lang="fr-FR"/>
           </a:p>
@@ -50344,7 +50482,7 @@
           <a:p>
             <a:fld id="{39A4C5E0-7BCC-4FFB-B25E-A352D768DC40}" type="datetimeFigureOut">
               <a:rPr lang="fr-FR" smtClean="0"/>
-              <a:t>04/07/2019</a:t>
+              <a:t>05/07/2019</a:t>
             </a:fld>
             <a:endParaRPr lang="fr-FR"/>
           </a:p>
@@ -50524,7 +50662,7 @@
           <a:p>
             <a:fld id="{39A4C5E0-7BCC-4FFB-B25E-A352D768DC40}" type="datetimeFigureOut">
               <a:rPr lang="fr-FR" smtClean="0"/>
-              <a:t>04/07/2019</a:t>
+              <a:t>05/07/2019</a:t>
             </a:fld>
             <a:endParaRPr lang="fr-FR"/>
           </a:p>
@@ -50700,7 +50838,7 @@
           <a:p>
             <a:fld id="{39A4C5E0-7BCC-4FFB-B25E-A352D768DC40}" type="datetimeFigureOut">
               <a:rPr lang="fr-FR" smtClean="0"/>
-              <a:t>04/07/2019</a:t>
+              <a:t>05/07/2019</a:t>
             </a:fld>
             <a:endParaRPr lang="fr-FR"/>
           </a:p>
@@ -50947,7 +51085,7 @@
           <a:p>
             <a:fld id="{39A4C5E0-7BCC-4FFB-B25E-A352D768DC40}" type="datetimeFigureOut">
               <a:rPr lang="fr-FR" smtClean="0"/>
-              <a:t>04/07/2019</a:t>
+              <a:t>05/07/2019</a:t>
             </a:fld>
             <a:endParaRPr lang="fr-FR"/>
           </a:p>
@@ -51179,7 +51317,7 @@
           <a:p>
             <a:fld id="{39A4C5E0-7BCC-4FFB-B25E-A352D768DC40}" type="datetimeFigureOut">
               <a:rPr lang="fr-FR" smtClean="0"/>
-              <a:t>04/07/2019</a:t>
+              <a:t>05/07/2019</a:t>
             </a:fld>
             <a:endParaRPr lang="fr-FR"/>
           </a:p>
@@ -51553,7 +51691,7 @@
           <a:p>
             <a:fld id="{39A4C5E0-7BCC-4FFB-B25E-A352D768DC40}" type="datetimeFigureOut">
               <a:rPr lang="fr-FR" smtClean="0"/>
-              <a:t>04/07/2019</a:t>
+              <a:t>05/07/2019</a:t>
             </a:fld>
             <a:endParaRPr lang="fr-FR"/>
           </a:p>
@@ -51676,7 +51814,7 @@
           <a:p>
             <a:fld id="{39A4C5E0-7BCC-4FFB-B25E-A352D768DC40}" type="datetimeFigureOut">
               <a:rPr lang="fr-FR" smtClean="0"/>
-              <a:t>04/07/2019</a:t>
+              <a:t>05/07/2019</a:t>
             </a:fld>
             <a:endParaRPr lang="fr-FR"/>
           </a:p>
@@ -51771,7 +51909,7 @@
           <a:p>
             <a:fld id="{39A4C5E0-7BCC-4FFB-B25E-A352D768DC40}" type="datetimeFigureOut">
               <a:rPr lang="fr-FR" smtClean="0"/>
-              <a:t>04/07/2019</a:t>
+              <a:t>05/07/2019</a:t>
             </a:fld>
             <a:endParaRPr lang="fr-FR"/>
           </a:p>
@@ -52026,7 +52164,7 @@
           <a:p>
             <a:fld id="{39A4C5E0-7BCC-4FFB-B25E-A352D768DC40}" type="datetimeFigureOut">
               <a:rPr lang="fr-FR" smtClean="0"/>
-              <a:t>04/07/2019</a:t>
+              <a:t>05/07/2019</a:t>
             </a:fld>
             <a:endParaRPr lang="fr-FR"/>
           </a:p>
@@ -52289,7 +52427,7 @@
           <a:p>
             <a:fld id="{39A4C5E0-7BCC-4FFB-B25E-A352D768DC40}" type="datetimeFigureOut">
               <a:rPr lang="fr-FR" smtClean="0"/>
-              <a:t>04/07/2019</a:t>
+              <a:t>05/07/2019</a:t>
             </a:fld>
             <a:endParaRPr lang="fr-FR"/>
           </a:p>
@@ -53034,7 +53172,7 @@
           <a:p>
             <a:fld id="{39A4C5E0-7BCC-4FFB-B25E-A352D768DC40}" type="datetimeFigureOut">
               <a:rPr lang="fr-FR" smtClean="0"/>
-              <a:t>04/07/2019</a:t>
+              <a:t>05/07/2019</a:t>
             </a:fld>
             <a:endParaRPr lang="fr-FR"/>
           </a:p>
@@ -53791,10 +53929,10 @@
       </p:graphicFrame>
       <p:pic>
         <p:nvPicPr>
-          <p:cNvPr id="9" name="Espace réservé du contenu 8">
+          <p:cNvPr id="4" name="Espace réservé du contenu 3">
             <a:extLst>
               <a:ext uri="{FF2B5EF4-FFF2-40B4-BE49-F238E27FC236}">
-                <a16:creationId xmlns:a16="http://schemas.microsoft.com/office/drawing/2014/main" id="{AE6EDF5D-5F70-4BCC-A67C-544C6B16E096}"/>
+                <a16:creationId xmlns:a16="http://schemas.microsoft.com/office/drawing/2014/main" id="{BCE562ED-75C1-4236-8C5F-AA19059424B3}"/>
               </a:ext>
             </a:extLst>
           </p:cNvPr>
@@ -53805,15 +53943,46 @@
             <p:ph idx="1"/>
           </p:nvPr>
         </p:nvPicPr>
-        <p:blipFill rotWithShape="1">
+        <p:blipFill>
           <a:blip r:embed="rId7"/>
-          <a:srcRect r="1435"/>
-          <a:stretch/>
+          <a:stretch>
+            <a:fillRect/>
+          </a:stretch>
         </p:blipFill>
         <p:spPr>
           <a:xfrm>
-            <a:off x="1016834" y="1700570"/>
-            <a:ext cx="8501239" cy="4341812"/>
+            <a:off x="400767" y="2449531"/>
+            <a:ext cx="4897346" cy="1958938"/>
+          </a:xfrm>
+          <a:prstGeom prst="rect">
+            <a:avLst/>
+          </a:prstGeom>
+        </p:spPr>
+      </p:pic>
+      <p:pic>
+        <p:nvPicPr>
+          <p:cNvPr id="8" name="Image 7">
+            <a:extLst>
+              <a:ext uri="{FF2B5EF4-FFF2-40B4-BE49-F238E27FC236}">
+                <a16:creationId xmlns:a16="http://schemas.microsoft.com/office/drawing/2014/main" id="{E4033A4D-9C0A-403F-BE8C-6E06A25C0CAA}"/>
+              </a:ext>
+            </a:extLst>
+          </p:cNvPr>
+          <p:cNvPicPr>
+            <a:picLocks noChangeAspect="1"/>
+          </p:cNvPicPr>
+          <p:nvPr/>
+        </p:nvPicPr>
+        <p:blipFill>
+          <a:blip r:embed="rId8"/>
+          <a:stretch>
+            <a:fillRect/>
+          </a:stretch>
+        </p:blipFill>
+        <p:spPr>
+          <a:xfrm>
+            <a:off x="6364812" y="1358561"/>
+            <a:ext cx="5034116" cy="4140878"/>
           </a:xfrm>
           <a:prstGeom prst="rect">
             <a:avLst/>
@@ -53834,194 +54003,6 @@
 </file>
 
 <file path=ppt/slides/slide11.xml><?xml version="1.0" encoding="utf-8"?>
-<p:sld xmlns:a="http://schemas.openxmlformats.org/drawingml/2006/main" xmlns:r="http://schemas.openxmlformats.org/officeDocument/2006/relationships" xmlns:p="http://schemas.openxmlformats.org/presentationml/2006/main">
-  <p:cSld>
-    <p:spTree>
-      <p:nvGrpSpPr>
-        <p:cNvPr id="1" name=""/>
-        <p:cNvGrpSpPr/>
-        <p:nvPr/>
-      </p:nvGrpSpPr>
-      <p:grpSpPr>
-        <a:xfrm>
-          <a:off x="0" y="0"/>
-          <a:ext cx="0" cy="0"/>
-          <a:chOff x="0" y="0"/>
-          <a:chExt cx="0" cy="0"/>
-        </a:xfrm>
-      </p:grpSpPr>
-      <p:sp>
-        <p:nvSpPr>
-          <p:cNvPr id="5" name="ZoneTexte 4">
-            <a:extLst>
-              <a:ext uri="{FF2B5EF4-FFF2-40B4-BE49-F238E27FC236}">
-                <a16:creationId xmlns:a16="http://schemas.microsoft.com/office/drawing/2014/main" id="{1D3A7D51-6F33-4065-AEEF-4FBFDC41E5D4}"/>
-              </a:ext>
-            </a:extLst>
-          </p:cNvPr>
-          <p:cNvSpPr txBox="1"/>
-          <p:nvPr/>
-        </p:nvSpPr>
-        <p:spPr>
-          <a:xfrm>
-            <a:off x="11398928" y="0"/>
-            <a:ext cx="793072" cy="369332"/>
-          </a:xfrm>
-          <a:prstGeom prst="rect">
-            <a:avLst/>
-          </a:prstGeom>
-          <a:noFill/>
-          <a:ln>
-            <a:solidFill>
-              <a:schemeClr val="tx1"/>
-            </a:solidFill>
-          </a:ln>
-        </p:spPr>
-        <p:txBody>
-          <a:bodyPr wrap="square" rtlCol="0">
-            <a:spAutoFit/>
-          </a:bodyPr>
-          <a:lstStyle/>
-          <a:p>
-            <a:pPr algn="ctr"/>
-            <a:r>
-              <a:rPr lang="fr-FR" dirty="0"/>
-              <a:t>/10</a:t>
-            </a:r>
-          </a:p>
-        </p:txBody>
-      </p:sp>
-      <p:sp>
-        <p:nvSpPr>
-          <p:cNvPr id="7" name="Titre 1">
-            <a:extLst>
-              <a:ext uri="{FF2B5EF4-FFF2-40B4-BE49-F238E27FC236}">
-                <a16:creationId xmlns:a16="http://schemas.microsoft.com/office/drawing/2014/main" id="{94DCD5BA-0DAC-4680-A739-AD623936AEC9}"/>
-              </a:ext>
-            </a:extLst>
-          </p:cNvPr>
-          <p:cNvSpPr>
-            <a:spLocks noGrp="1"/>
-          </p:cNvSpPr>
-          <p:nvPr>
-            <p:ph type="title"/>
-          </p:nvPr>
-        </p:nvSpPr>
-        <p:spPr>
-          <a:xfrm>
-            <a:off x="677863" y="609600"/>
-            <a:ext cx="8596312" cy="1320800"/>
-          </a:xfrm>
-        </p:spPr>
-        <p:txBody>
-          <a:bodyPr>
-            <a:normAutofit fontScale="90000"/>
-          </a:bodyPr>
-          <a:lstStyle/>
-          <a:p>
-            <a:r>
-              <a:rPr lang="fr-FR" dirty="0" err="1"/>
-              <a:t>Statistics</a:t>
-            </a:r>
-            <a:br>
-              <a:rPr lang="fr-FR" dirty="0"/>
-            </a:br>
-            <a:r>
-              <a:rPr lang="fr-FR" dirty="0" err="1"/>
-              <a:t>What</a:t>
-            </a:r>
-            <a:r>
-              <a:rPr lang="fr-FR" dirty="0"/>
-              <a:t> </a:t>
-            </a:r>
-            <a:r>
-              <a:rPr lang="fr-FR" dirty="0" err="1"/>
-              <a:t>does</a:t>
-            </a:r>
-            <a:r>
-              <a:rPr lang="fr-FR" dirty="0"/>
-              <a:t> </a:t>
-            </a:r>
-            <a:r>
-              <a:rPr lang="fr-FR" dirty="0" err="1"/>
-              <a:t>it</a:t>
-            </a:r>
-            <a:r>
-              <a:rPr lang="fr-FR" dirty="0"/>
-              <a:t> looks like ?</a:t>
-            </a:r>
-            <a:br>
-              <a:rPr lang="fr-FR" dirty="0"/>
-            </a:br>
-            <a:endParaRPr lang="fr-FR" dirty="0"/>
-          </a:p>
-        </p:txBody>
-      </p:sp>
-      <p:graphicFrame>
-        <p:nvGraphicFramePr>
-          <p:cNvPr id="6" name="Diagramme 5">
-            <a:extLst>
-              <a:ext uri="{FF2B5EF4-FFF2-40B4-BE49-F238E27FC236}">
-                <a16:creationId xmlns:a16="http://schemas.microsoft.com/office/drawing/2014/main" id="{02E7E39F-F6C8-4D6A-AA5E-DAE0503FDA5B}"/>
-              </a:ext>
-            </a:extLst>
-          </p:cNvPr>
-          <p:cNvGraphicFramePr/>
-          <p:nvPr/>
-        </p:nvGraphicFramePr>
-        <p:xfrm>
-          <a:off x="0" y="6042382"/>
-          <a:ext cx="12192000" cy="949930"/>
-        </p:xfrm>
-        <a:graphic>
-          <a:graphicData uri="http://schemas.openxmlformats.org/drawingml/2006/diagram">
-            <dgm:relIds xmlns:dgm="http://schemas.openxmlformats.org/drawingml/2006/diagram" xmlns:r="http://schemas.openxmlformats.org/officeDocument/2006/relationships" r:dm="rId2" r:lo="rId3" r:qs="rId4" r:cs="rId5"/>
-          </a:graphicData>
-        </a:graphic>
-      </p:graphicFrame>
-      <p:pic>
-        <p:nvPicPr>
-          <p:cNvPr id="8" name="Image 7">
-            <a:extLst>
-              <a:ext uri="{FF2B5EF4-FFF2-40B4-BE49-F238E27FC236}">
-                <a16:creationId xmlns:a16="http://schemas.microsoft.com/office/drawing/2014/main" id="{F714EA7E-634A-48E3-A79F-B862E244A3BA}"/>
-              </a:ext>
-            </a:extLst>
-          </p:cNvPr>
-          <p:cNvPicPr>
-            <a:picLocks noChangeAspect="1"/>
-          </p:cNvPicPr>
-          <p:nvPr/>
-        </p:nvPicPr>
-        <p:blipFill rotWithShape="1">
-          <a:blip r:embed="rId7"/>
-          <a:srcRect r="1227"/>
-          <a:stretch/>
-        </p:blipFill>
-        <p:spPr>
-          <a:xfrm>
-            <a:off x="1027224" y="1650008"/>
-            <a:ext cx="8490849" cy="4392374"/>
-          </a:xfrm>
-          <a:prstGeom prst="rect">
-            <a:avLst/>
-          </a:prstGeom>
-        </p:spPr>
-      </p:pic>
-    </p:spTree>
-    <p:extLst>
-      <p:ext uri="{BB962C8B-B14F-4D97-AF65-F5344CB8AC3E}">
-        <p14:creationId xmlns:p14="http://schemas.microsoft.com/office/powerpoint/2010/main" val="682628644"/>
-      </p:ext>
-    </p:extLst>
-  </p:cSld>
-  <p:clrMapOvr>
-    <a:masterClrMapping/>
-  </p:clrMapOvr>
-</p:sld>
-</file>
-
-<file path=ppt/slides/slide12.xml><?xml version="1.0" encoding="utf-8"?>
 <p:sld xmlns:a="http://schemas.openxmlformats.org/drawingml/2006/main" xmlns:r="http://schemas.openxmlformats.org/officeDocument/2006/relationships" xmlns:p="http://schemas.openxmlformats.org/presentationml/2006/main">
   <p:cSld>
     <p:spTree>
@@ -54068,45 +54049,31 @@
           <a:p>
             <a:r>
               <a:rPr lang="en-US" dirty="0"/>
-              <a:t>Generate a report in HTML with all the statistics</a:t>
-            </a:r>
-          </a:p>
-          <a:p>
-            <a:pPr lvl="1"/>
-            <a:r>
-              <a:rPr lang="en-US" dirty="0"/>
-              <a:t>One part for the global statistics</a:t>
-            </a:r>
-          </a:p>
-          <a:p>
-            <a:pPr lvl="1"/>
-            <a:r>
-              <a:rPr lang="en-US" dirty="0"/>
-              <a:t>One part for each number of trucks used (ex: 10, 20,30 ….)</a:t>
+              <a:t>The statistics are generated in a HTML report</a:t>
             </a:r>
           </a:p>
           <a:p>
             <a:r>
               <a:rPr lang="en-US" dirty="0"/>
-              <a:t>For the same cities number  more there are trucks (clusters), more resolution time increases</a:t>
+              <a:t>More tucks equals more resolution time</a:t>
             </a:r>
           </a:p>
           <a:p>
             <a:r>
               <a:rPr lang="en-US" dirty="0"/>
-              <a:t>Increasing the distance between cities has no impact or little impact on the resolution time.</a:t>
+              <a:t>Distances between cities has no impact on the resolution time.</a:t>
             </a:r>
           </a:p>
           <a:p>
             <a:r>
               <a:rPr lang="en-US" dirty="0"/>
-              <a:t>With equal number of trucks, the more cities there are, the more the resolution time increases</a:t>
+              <a:t>More cities result in an increase of the resolution time</a:t>
             </a:r>
           </a:p>
           <a:p>
             <a:r>
               <a:rPr lang="en-US" dirty="0"/>
-              <a:t>The resolution time can vary enormously between several graphs of the same parameters (number of cities and distances).</a:t>
+              <a:t>For the same graph, the time can vary a lot</a:t>
             </a:r>
             <a:endParaRPr lang="fr-FR" dirty="0"/>
           </a:p>
@@ -54217,7 +54184,7 @@
         </p:xfrm>
         <a:graphic>
           <a:graphicData uri="http://schemas.openxmlformats.org/drawingml/2006/diagram">
-            <dgm:relIds xmlns:dgm="http://schemas.openxmlformats.org/drawingml/2006/diagram" xmlns:r="http://schemas.openxmlformats.org/officeDocument/2006/relationships" r:dm="rId2" r:lo="rId3" r:qs="rId4" r:cs="rId5"/>
+            <dgm:relIds xmlns:dgm="http://schemas.openxmlformats.org/drawingml/2006/diagram" xmlns:r="http://schemas.openxmlformats.org/officeDocument/2006/relationships" r:dm="rId3" r:lo="rId4" r:qs="rId5" r:cs="rId6"/>
           </a:graphicData>
         </a:graphic>
       </p:graphicFrame>
@@ -54234,7 +54201,7 @@
 </p:sld>
 </file>
 
-<file path=ppt/slides/slide13.xml><?xml version="1.0" encoding="utf-8"?>
+<file path=ppt/slides/slide12.xml><?xml version="1.0" encoding="utf-8"?>
 <p:sld xmlns:a="http://schemas.openxmlformats.org/drawingml/2006/main" xmlns:r="http://schemas.openxmlformats.org/officeDocument/2006/relationships" xmlns:p="http://schemas.openxmlformats.org/presentationml/2006/main">
   <p:cSld>
     <p:spTree>
@@ -54269,10 +54236,69 @@
         </p:nvSpPr>
         <p:spPr/>
         <p:txBody>
-          <a:bodyPr/>
+          <a:bodyPr>
+            <a:normAutofit/>
+          </a:bodyPr>
           <a:lstStyle/>
           <a:p>
-            <a:endParaRPr lang="fr-FR" dirty="0"/>
+            <a:r>
+              <a:rPr lang="en-US" dirty="0"/>
+              <a:t>Random graph generator</a:t>
+            </a:r>
+          </a:p>
+          <a:p>
+            <a:r>
+              <a:rPr lang="en-US" dirty="0"/>
+              <a:t>Resolution algorithm</a:t>
+            </a:r>
+          </a:p>
+          <a:p>
+            <a:pPr lvl="1"/>
+            <a:r>
+              <a:rPr lang="en-US" dirty="0"/>
+              <a:t>VRP into TSP</a:t>
+            </a:r>
+          </a:p>
+          <a:p>
+            <a:pPr lvl="1"/>
+            <a:r>
+              <a:rPr lang="en-US" dirty="0"/>
+              <a:t>Log stats and results</a:t>
+            </a:r>
+          </a:p>
+          <a:p>
+            <a:pPr lvl="1"/>
+            <a:r>
+              <a:rPr lang="en-US" dirty="0"/>
+              <a:t>Constraint : k trucks</a:t>
+            </a:r>
+          </a:p>
+          <a:p>
+            <a:r>
+              <a:rPr lang="en-US" dirty="0"/>
+              <a:t>Statistics report generation</a:t>
+            </a:r>
+          </a:p>
+          <a:p>
+            <a:pPr lvl="1"/>
+            <a:r>
+              <a:rPr lang="en-US" dirty="0"/>
+              <a:t>Descriptive statistics</a:t>
+            </a:r>
+          </a:p>
+          <a:p>
+            <a:pPr lvl="1"/>
+            <a:r>
+              <a:rPr lang="en-US"/>
+              <a:t>Predictive statistics</a:t>
+            </a:r>
+            <a:endParaRPr lang="en-US" dirty="0"/>
+          </a:p>
+          <a:p>
+            <a:r>
+              <a:rPr lang="en-US" dirty="0"/>
+              <a:t>Results interpretations</a:t>
+            </a:r>
           </a:p>
         </p:txBody>
       </p:sp>
@@ -54392,7 +54418,7 @@
 </p:sld>
 </file>
 
-<file path=ppt/slides/slide14.xml><?xml version="1.0" encoding="utf-8"?>
+<file path=ppt/slides/slide13.xml><?xml version="1.0" encoding="utf-8"?>
 <p:sld xmlns:a="http://schemas.openxmlformats.org/drawingml/2006/main" xmlns:r="http://schemas.openxmlformats.org/officeDocument/2006/relationships" xmlns:p="http://schemas.openxmlformats.org/presentationml/2006/main">
   <p:cSld>
     <p:spTree>
@@ -54534,6 +54560,262 @@
     <p:extLst>
       <p:ext uri="{BB962C8B-B14F-4D97-AF65-F5344CB8AC3E}">
         <p14:creationId xmlns:p14="http://schemas.microsoft.com/office/powerpoint/2010/main" val="2710654797"/>
+      </p:ext>
+    </p:extLst>
+  </p:cSld>
+  <p:clrMapOvr>
+    <a:masterClrMapping/>
+  </p:clrMapOvr>
+</p:sld>
+</file>
+
+<file path=ppt/slides/slide14.xml><?xml version="1.0" encoding="utf-8"?>
+<p:sld xmlns:a="http://schemas.openxmlformats.org/drawingml/2006/main" xmlns:r="http://schemas.openxmlformats.org/officeDocument/2006/relationships" xmlns:p="http://schemas.openxmlformats.org/presentationml/2006/main">
+  <p:cSld>
+    <p:spTree>
+      <p:nvGrpSpPr>
+        <p:cNvPr id="1" name=""/>
+        <p:cNvGrpSpPr/>
+        <p:nvPr/>
+      </p:nvGrpSpPr>
+      <p:grpSpPr>
+        <a:xfrm>
+          <a:off x="0" y="0"/>
+          <a:ext cx="0" cy="0"/>
+          <a:chOff x="0" y="0"/>
+          <a:chExt cx="0" cy="0"/>
+        </a:xfrm>
+      </p:grpSpPr>
+      <p:sp>
+        <p:nvSpPr>
+          <p:cNvPr id="3" name="Espace réservé du contenu 2">
+            <a:extLst>
+              <a:ext uri="{FF2B5EF4-FFF2-40B4-BE49-F238E27FC236}">
+                <a16:creationId xmlns:a16="http://schemas.microsoft.com/office/drawing/2014/main" id="{758A172A-7DA9-4173-A565-B4F892F9FE9F}"/>
+              </a:ext>
+            </a:extLst>
+          </p:cNvPr>
+          <p:cNvSpPr>
+            <a:spLocks noGrp="1"/>
+          </p:cNvSpPr>
+          <p:nvPr>
+            <p:ph idx="1"/>
+          </p:nvPr>
+        </p:nvSpPr>
+        <p:spPr>
+          <a:xfrm>
+            <a:off x="677334" y="1678809"/>
+            <a:ext cx="8596668" cy="3880773"/>
+          </a:xfrm>
+        </p:spPr>
+        <p:txBody>
+          <a:bodyPr anchor="ctr"/>
+          <a:lstStyle/>
+          <a:p>
+            <a:pPr marL="0" indent="0" algn="ctr">
+              <a:buNone/>
+            </a:pPr>
+            <a:r>
+              <a:rPr lang="fr-FR" sz="3200" dirty="0" err="1">
+                <a:solidFill>
+                  <a:srgbClr val="90C226"/>
+                </a:solidFill>
+                <a:ea typeface="+mj-ea"/>
+                <a:cs typeface="+mj-cs"/>
+              </a:rPr>
+              <a:t>Thank</a:t>
+            </a:r>
+            <a:r>
+              <a:rPr lang="fr-FR" sz="3200" dirty="0">
+                <a:solidFill>
+                  <a:srgbClr val="90C226"/>
+                </a:solidFill>
+                <a:ea typeface="+mj-ea"/>
+                <a:cs typeface="+mj-cs"/>
+              </a:rPr>
+              <a:t> </a:t>
+            </a:r>
+            <a:r>
+              <a:rPr lang="fr-FR" sz="3200" dirty="0" err="1">
+                <a:solidFill>
+                  <a:srgbClr val="90C226"/>
+                </a:solidFill>
+                <a:ea typeface="+mj-ea"/>
+                <a:cs typeface="+mj-cs"/>
+              </a:rPr>
+              <a:t>you</a:t>
+            </a:r>
+            <a:r>
+              <a:rPr lang="fr-FR" sz="3200" dirty="0">
+                <a:solidFill>
+                  <a:srgbClr val="90C226"/>
+                </a:solidFill>
+                <a:ea typeface="+mj-ea"/>
+                <a:cs typeface="+mj-cs"/>
+              </a:rPr>
+              <a:t> for </a:t>
+            </a:r>
+            <a:r>
+              <a:rPr lang="fr-FR" sz="3200" dirty="0" err="1">
+                <a:solidFill>
+                  <a:srgbClr val="90C226"/>
+                </a:solidFill>
+                <a:ea typeface="+mj-ea"/>
+                <a:cs typeface="+mj-cs"/>
+              </a:rPr>
+              <a:t>your</a:t>
+            </a:r>
+            <a:r>
+              <a:rPr lang="fr-FR" sz="3200" dirty="0">
+                <a:solidFill>
+                  <a:srgbClr val="90C226"/>
+                </a:solidFill>
+                <a:ea typeface="+mj-ea"/>
+                <a:cs typeface="+mj-cs"/>
+              </a:rPr>
+              <a:t> attention, if </a:t>
+            </a:r>
+            <a:r>
+              <a:rPr lang="fr-FR" sz="3200" dirty="0" err="1">
+                <a:solidFill>
+                  <a:srgbClr val="90C226"/>
+                </a:solidFill>
+                <a:ea typeface="+mj-ea"/>
+                <a:cs typeface="+mj-cs"/>
+              </a:rPr>
+              <a:t>you</a:t>
+            </a:r>
+            <a:r>
+              <a:rPr lang="fr-FR" sz="3200" dirty="0">
+                <a:solidFill>
+                  <a:srgbClr val="90C226"/>
+                </a:solidFill>
+                <a:ea typeface="+mj-ea"/>
+                <a:cs typeface="+mj-cs"/>
+              </a:rPr>
+              <a:t> have </a:t>
+            </a:r>
+            <a:r>
+              <a:rPr lang="fr-FR" sz="3200" dirty="0" err="1">
+                <a:solidFill>
+                  <a:srgbClr val="90C226"/>
+                </a:solidFill>
+                <a:ea typeface="+mj-ea"/>
+                <a:cs typeface="+mj-cs"/>
+              </a:rPr>
+              <a:t>any</a:t>
+            </a:r>
+            <a:r>
+              <a:rPr lang="fr-FR" sz="3200" dirty="0">
+                <a:solidFill>
+                  <a:srgbClr val="90C226"/>
+                </a:solidFill>
+                <a:ea typeface="+mj-ea"/>
+                <a:cs typeface="+mj-cs"/>
+              </a:rPr>
+              <a:t> questions, </a:t>
+            </a:r>
+            <a:r>
+              <a:rPr lang="fr-FR" sz="3200" dirty="0" err="1">
+                <a:solidFill>
+                  <a:srgbClr val="90C226"/>
+                </a:solidFill>
+                <a:ea typeface="+mj-ea"/>
+                <a:cs typeface="+mj-cs"/>
+              </a:rPr>
+              <a:t>feel</a:t>
+            </a:r>
+            <a:r>
+              <a:rPr lang="fr-FR" sz="3200" dirty="0">
+                <a:solidFill>
+                  <a:srgbClr val="90C226"/>
+                </a:solidFill>
+                <a:ea typeface="+mj-ea"/>
+                <a:cs typeface="+mj-cs"/>
+              </a:rPr>
+              <a:t> free to </a:t>
+            </a:r>
+            <a:r>
+              <a:rPr lang="fr-FR" sz="3200" dirty="0" err="1">
+                <a:solidFill>
+                  <a:srgbClr val="90C226"/>
+                </a:solidFill>
+                <a:ea typeface="+mj-ea"/>
+                <a:cs typeface="+mj-cs"/>
+              </a:rPr>
+              <a:t>ask</a:t>
+            </a:r>
+            <a:endParaRPr lang="fr-FR" dirty="0"/>
+          </a:p>
+        </p:txBody>
+      </p:sp>
+      <p:sp>
+        <p:nvSpPr>
+          <p:cNvPr id="5" name="ZoneTexte 4">
+            <a:extLst>
+              <a:ext uri="{FF2B5EF4-FFF2-40B4-BE49-F238E27FC236}">
+                <a16:creationId xmlns:a16="http://schemas.microsoft.com/office/drawing/2014/main" id="{1D3A7D51-6F33-4065-AEEF-4FBFDC41E5D4}"/>
+              </a:ext>
+            </a:extLst>
+          </p:cNvPr>
+          <p:cNvSpPr txBox="1"/>
+          <p:nvPr/>
+        </p:nvSpPr>
+        <p:spPr>
+          <a:xfrm>
+            <a:off x="11398928" y="0"/>
+            <a:ext cx="793072" cy="369332"/>
+          </a:xfrm>
+          <a:prstGeom prst="rect">
+            <a:avLst/>
+          </a:prstGeom>
+          <a:noFill/>
+          <a:ln>
+            <a:solidFill>
+              <a:schemeClr val="tx1"/>
+            </a:solidFill>
+          </a:ln>
+        </p:spPr>
+        <p:txBody>
+          <a:bodyPr wrap="square" rtlCol="0">
+            <a:spAutoFit/>
+          </a:bodyPr>
+          <a:lstStyle/>
+          <a:p>
+            <a:pPr algn="ctr"/>
+            <a:r>
+              <a:rPr lang="fr-FR" dirty="0"/>
+              <a:t>/10</a:t>
+            </a:r>
+          </a:p>
+        </p:txBody>
+      </p:sp>
+      <p:graphicFrame>
+        <p:nvGraphicFramePr>
+          <p:cNvPr id="6" name="Diagramme 5">
+            <a:extLst>
+              <a:ext uri="{FF2B5EF4-FFF2-40B4-BE49-F238E27FC236}">
+                <a16:creationId xmlns:a16="http://schemas.microsoft.com/office/drawing/2014/main" id="{9FF87BE7-A6B5-4FB7-8B9C-0A1CDA23A934}"/>
+              </a:ext>
+            </a:extLst>
+          </p:cNvPr>
+          <p:cNvGraphicFramePr/>
+          <p:nvPr/>
+        </p:nvGraphicFramePr>
+        <p:xfrm>
+          <a:off x="0" y="6042382"/>
+          <a:ext cx="12192000" cy="949930"/>
+        </p:xfrm>
+        <a:graphic>
+          <a:graphicData uri="http://schemas.openxmlformats.org/drawingml/2006/diagram">
+            <dgm:relIds xmlns:dgm="http://schemas.openxmlformats.org/drawingml/2006/diagram" xmlns:r="http://schemas.openxmlformats.org/officeDocument/2006/relationships" r:dm="rId2" r:lo="rId3" r:qs="rId4" r:cs="rId5"/>
+          </a:graphicData>
+        </a:graphic>
+      </p:graphicFrame>
+    </p:spTree>
+    <p:extLst>
+      <p:ext uri="{BB962C8B-B14F-4D97-AF65-F5344CB8AC3E}">
+        <p14:creationId xmlns:p14="http://schemas.microsoft.com/office/powerpoint/2010/main" val="3220551231"/>
       </p:ext>
     </p:extLst>
   </p:cSld>
@@ -55482,36 +55764,6 @@
           </a:graphicData>
         </a:graphic>
       </p:graphicFrame>
-      <p:pic>
-        <p:nvPicPr>
-          <p:cNvPr id="8" name="Image 7">
-            <a:extLst>
-              <a:ext uri="{FF2B5EF4-FFF2-40B4-BE49-F238E27FC236}">
-                <a16:creationId xmlns:a16="http://schemas.microsoft.com/office/drawing/2014/main" id="{81ED2FAF-E02F-41E5-B89B-C5D67B8DB1D8}"/>
-              </a:ext>
-            </a:extLst>
-          </p:cNvPr>
-          <p:cNvPicPr>
-            <a:picLocks noChangeAspect="1"/>
-          </p:cNvPicPr>
-          <p:nvPr/>
-        </p:nvPicPr>
-        <p:blipFill>
-          <a:blip r:embed="rId7"/>
-          <a:stretch>
-            <a:fillRect/>
-          </a:stretch>
-        </p:blipFill>
-        <p:spPr>
-          <a:xfrm>
-            <a:off x="1136072" y="3106368"/>
-            <a:ext cx="8257310" cy="2897154"/>
-          </a:xfrm>
-          <a:prstGeom prst="rect">
-            <a:avLst/>
-          </a:prstGeom>
-        </p:spPr>
-      </p:pic>
     </p:spTree>
     <p:extLst>
       <p:ext uri="{BB962C8B-B14F-4D97-AF65-F5344CB8AC3E}">

--- a/DATA PROJECT.pptx
+++ b/DATA PROJECT.pptx
@@ -10446,7 +10446,7 @@
   <dgm:whole/>
   <dgm:extLst>
     <a:ext uri="http://schemas.microsoft.com/office/drawing/2008/diagram">
-      <dsp:dataModelExt xmlns:dsp="http://schemas.microsoft.com/office/drawing/2008/diagram" relId="rId6" minVer="http://schemas.openxmlformats.org/drawingml/2006/diagram"/>
+      <dsp:dataModelExt xmlns:dsp="http://schemas.microsoft.com/office/drawing/2008/diagram" relId="rId7" minVer="http://schemas.openxmlformats.org/drawingml/2006/diagram"/>
     </a:ext>
   </dgm:extLst>
 </dgm:dataModel>
@@ -47995,6 +47995,90 @@
 </p:notes>
 </file>
 
+<file path=ppt/notesSlides/notesSlide3.xml><?xml version="1.0" encoding="utf-8"?>
+<p:notes xmlns:a="http://schemas.openxmlformats.org/drawingml/2006/main" xmlns:r="http://schemas.openxmlformats.org/officeDocument/2006/relationships" xmlns:p="http://schemas.openxmlformats.org/presentationml/2006/main">
+  <p:cSld>
+    <p:spTree>
+      <p:nvGrpSpPr>
+        <p:cNvPr id="1" name=""/>
+        <p:cNvGrpSpPr/>
+        <p:nvPr/>
+      </p:nvGrpSpPr>
+      <p:grpSpPr>
+        <a:xfrm>
+          <a:off x="0" y="0"/>
+          <a:ext cx="0" cy="0"/>
+          <a:chOff x="0" y="0"/>
+          <a:chExt cx="0" cy="0"/>
+        </a:xfrm>
+      </p:grpSpPr>
+      <p:sp>
+        <p:nvSpPr>
+          <p:cNvPr id="2" name="Espace réservé de l'image des diapositives 1"/>
+          <p:cNvSpPr>
+            <a:spLocks noGrp="1" noRot="1" noChangeAspect="1"/>
+          </p:cNvSpPr>
+          <p:nvPr>
+            <p:ph type="sldImg"/>
+          </p:nvPr>
+        </p:nvSpPr>
+        <p:spPr/>
+      </p:sp>
+      <p:sp>
+        <p:nvSpPr>
+          <p:cNvPr id="3" name="Espace réservé des notes 2"/>
+          <p:cNvSpPr>
+            <a:spLocks noGrp="1"/>
+          </p:cNvSpPr>
+          <p:nvPr>
+            <p:ph type="body" idx="1"/>
+          </p:nvPr>
+        </p:nvSpPr>
+        <p:spPr/>
+        <p:txBody>
+          <a:bodyPr/>
+          <a:lstStyle/>
+          <a:p>
+            <a:endParaRPr lang="fr-FR" dirty="0"/>
+          </a:p>
+        </p:txBody>
+      </p:sp>
+      <p:sp>
+        <p:nvSpPr>
+          <p:cNvPr id="4" name="Espace réservé du numéro de diapositive 3"/>
+          <p:cNvSpPr>
+            <a:spLocks noGrp="1"/>
+          </p:cNvSpPr>
+          <p:nvPr>
+            <p:ph type="sldNum" sz="quarter" idx="5"/>
+          </p:nvPr>
+        </p:nvSpPr>
+        <p:spPr/>
+        <p:txBody>
+          <a:bodyPr/>
+          <a:lstStyle/>
+          <a:p>
+            <a:fld id="{EFB751BC-5B5B-4343-8F37-AE607CDB283D}" type="slidenum">
+              <a:rPr lang="fr-FR" smtClean="0"/>
+              <a:t>12</a:t>
+            </a:fld>
+            <a:endParaRPr lang="fr-FR"/>
+          </a:p>
+        </p:txBody>
+      </p:sp>
+    </p:spTree>
+    <p:extLst>
+      <p:ext uri="{BB962C8B-B14F-4D97-AF65-F5344CB8AC3E}">
+        <p14:creationId xmlns:p14="http://schemas.microsoft.com/office/powerpoint/2010/main" val="3178698908"/>
+      </p:ext>
+    </p:extLst>
+  </p:cSld>
+  <p:clrMapOvr>
+    <a:masterClrMapping/>
+  </p:clrMapOvr>
+</p:notes>
+</file>
+
 <file path=ppt/slideLayouts/slideLayout1.xml><?xml version="1.0" encoding="utf-8"?>
 <p:sldLayout xmlns:a="http://schemas.openxmlformats.org/drawingml/2006/main" xmlns:r="http://schemas.openxmlformats.org/officeDocument/2006/relationships" xmlns:p="http://schemas.openxmlformats.org/presentationml/2006/main" showMasterSp="0" type="title" preserve="1">
   <p:cSld name="Diapositive de titre">
@@ -54234,7 +54318,12 @@
             <p:ph idx="1"/>
           </p:nvPr>
         </p:nvSpPr>
-        <p:spPr/>
+        <p:spPr>
+          <a:xfrm>
+            <a:off x="677863" y="1930400"/>
+            <a:ext cx="8596668" cy="3880773"/>
+          </a:xfrm>
+        </p:spPr>
         <p:txBody>
           <a:bodyPr>
             <a:normAutofit/>
@@ -54401,7 +54490,7 @@
         </p:xfrm>
         <a:graphic>
           <a:graphicData uri="http://schemas.openxmlformats.org/drawingml/2006/diagram">
-            <dgm:relIds xmlns:dgm="http://schemas.openxmlformats.org/drawingml/2006/diagram" xmlns:r="http://schemas.openxmlformats.org/officeDocument/2006/relationships" r:dm="rId2" r:lo="rId3" r:qs="rId4" r:cs="rId5"/>
+            <dgm:relIds xmlns:dgm="http://schemas.openxmlformats.org/drawingml/2006/diagram" xmlns:r="http://schemas.openxmlformats.org/officeDocument/2006/relationships" r:dm="rId3" r:lo="rId4" r:qs="rId5" r:cs="rId6"/>
           </a:graphicData>
         </a:graphic>
       </p:graphicFrame>
